--- a/Hauber_poster_presentation/Hauber Poster 8.13.pptx
+++ b/Hauber_poster_presentation/Hauber Poster 8.13.pptx
@@ -4939,7 +4939,7 @@
         <p:spPr bwMode="auto">
           <a:xfrm>
             <a:off x="22352000" y="7326022"/>
-            <a:ext cx="10058400" cy="478250"/>
+            <a:ext cx="10058400" cy="4129442"/>
           </a:xfrm>
           <a:prstGeom prst="rect">
             <a:avLst/>
@@ -5104,11 +5104,120 @@
               </a:lnSpc>
             </a:pPr>
             <a:r>
-              <a:rPr lang="en-US" sz="2400">
+              <a:rPr lang="en-US" sz="2400" dirty="0">
                 <a:latin typeface="Montserrat" panose="020F0502020204030204" pitchFamily="2" charset="0"/>
                 <a:cs typeface="Arial" pitchFamily="34" charset="0"/>
               </a:rPr>
-              <a:t>Add your information, graphs and images to this section.</a:t>
+              <a:t>Our goal is to discover the shape of the curve of the pH that results when mixing together an acid and a conjugate base.</a:t>
+            </a:r>
+          </a:p>
+          <a:p>
+            <a:pPr algn="just">
+              <a:lnSpc>
+                <a:spcPct val="110000"/>
+              </a:lnSpc>
+            </a:pPr>
+            <a:r>
+              <a:rPr lang="en-US" sz="2400" dirty="0">
+                <a:latin typeface="Montserrat" panose="020F0502020204030204" pitchFamily="2" charset="0"/>
+                <a:cs typeface="Arial" pitchFamily="34" charset="0"/>
+              </a:rPr>
+              <a:t>We used </a:t>
+            </a:r>
+            <a:r>
+              <a:rPr lang="en-US" sz="2400" b="1" dirty="0">
+                <a:latin typeface="Montserrat" panose="020F0502020204030204" pitchFamily="2" charset="0"/>
+                <a:cs typeface="Arial" pitchFamily="34" charset="0"/>
+              </a:rPr>
+              <a:t>Acetic Acid</a:t>
+            </a:r>
+            <a:r>
+              <a:rPr lang="en-US" sz="2400" dirty="0">
+                <a:latin typeface="Montserrat" panose="020F0502020204030204" pitchFamily="2" charset="0"/>
+                <a:cs typeface="Arial" pitchFamily="34" charset="0"/>
+              </a:rPr>
+              <a:t> and </a:t>
+            </a:r>
+            <a:r>
+              <a:rPr lang="en-US" sz="2400" b="1" dirty="0">
+                <a:latin typeface="Montserrat" panose="020F0502020204030204" pitchFamily="2" charset="0"/>
+                <a:cs typeface="Arial" pitchFamily="34" charset="0"/>
+              </a:rPr>
+              <a:t>Sodium Acetate</a:t>
+            </a:r>
+            <a:r>
+              <a:rPr lang="en-US" sz="2400" dirty="0">
+                <a:latin typeface="Montserrat" panose="020F0502020204030204" pitchFamily="2" charset="0"/>
+                <a:cs typeface="Arial" pitchFamily="34" charset="0"/>
+              </a:rPr>
+              <a:t>.</a:t>
+            </a:r>
+          </a:p>
+          <a:p>
+            <a:pPr algn="just">
+              <a:lnSpc>
+                <a:spcPct val="110000"/>
+              </a:lnSpc>
+            </a:pPr>
+            <a:endParaRPr lang="en-US" sz="2400" dirty="0">
+              <a:latin typeface="Montserrat" panose="020F0502020204030204" pitchFamily="2" charset="0"/>
+              <a:cs typeface="Arial" pitchFamily="34" charset="0"/>
+            </a:endParaRPr>
+          </a:p>
+          <a:p>
+            <a:pPr algn="just">
+              <a:lnSpc>
+                <a:spcPct val="110000"/>
+              </a:lnSpc>
+            </a:pPr>
+            <a:r>
+              <a:rPr lang="en-US" sz="2400" dirty="0">
+                <a:latin typeface="Montserrat" panose="020F0502020204030204" pitchFamily="2" charset="0"/>
+                <a:cs typeface="Arial" pitchFamily="34" charset="0"/>
+              </a:rPr>
+              <a:t>We begin by taking a measurement at 0.1 ratio of the [acid]/[conjugate base].</a:t>
+            </a:r>
+          </a:p>
+          <a:p>
+            <a:pPr algn="just">
+              <a:lnSpc>
+                <a:spcPct val="110000"/>
+              </a:lnSpc>
+            </a:pPr>
+            <a:r>
+              <a:rPr lang="en-US" sz="2400" dirty="0">
+                <a:latin typeface="Montserrat" panose="020F0502020204030204" pitchFamily="2" charset="0"/>
+                <a:cs typeface="Arial" pitchFamily="34" charset="0"/>
+              </a:rPr>
+              <a:t>From that, we obtain a measurement. With it, we obtain a curve with the uncertainty required to create an acquisition function.</a:t>
+            </a:r>
+          </a:p>
+          <a:p>
+            <a:pPr algn="just">
+              <a:lnSpc>
+                <a:spcPct val="110000"/>
+              </a:lnSpc>
+            </a:pPr>
+            <a:r>
+              <a:rPr lang="en-US" sz="2400" dirty="0">
+                <a:latin typeface="Montserrat" panose="020F0502020204030204" pitchFamily="2" charset="0"/>
+                <a:cs typeface="Arial" pitchFamily="34" charset="0"/>
+              </a:rPr>
+              <a:t>From this, we obtain the next data point.</a:t>
+            </a:r>
+          </a:p>
+          <a:p>
+            <a:pPr algn="just">
+              <a:lnSpc>
+                <a:spcPct val="110000"/>
+              </a:lnSpc>
+            </a:pPr>
+            <a:r>
+              <a:rPr lang="en-US" sz="2400" dirty="0">
+                <a:latin typeface="Montserrat" panose="020F0502020204030204" pitchFamily="2" charset="0"/>
+                <a:cs typeface="Arial" pitchFamily="34" charset="0"/>
+              </a:rPr>
+              <a:t>This continues until the curve is found.</a:t>
             </a:r>
           </a:p>
         </p:txBody>
@@ -5468,7 +5577,7 @@
               </a:lnSpc>
             </a:pPr>
             <a:r>
-              <a:rPr lang="en-US" sz="2400">
+              <a:rPr lang="en-US" sz="2400" dirty="0">
                 <a:latin typeface="Montserrat" panose="020F0502020204030204" pitchFamily="2" charset="0"/>
                 <a:cs typeface="Arial" pitchFamily="34" charset="0"/>
               </a:rPr>
@@ -5493,7 +5602,7 @@
         </p:nvSpPr>
         <p:spPr bwMode="auto">
           <a:xfrm>
-            <a:off x="33185100" y="15858320"/>
+            <a:off x="33185100" y="17133790"/>
             <a:ext cx="10058400" cy="873301"/>
           </a:xfrm>
           <a:prstGeom prst="rect">
@@ -5667,7 +5776,7 @@
         <p:spPr bwMode="auto">
           <a:xfrm>
             <a:off x="1092200" y="7361123"/>
-            <a:ext cx="10058400" cy="3316911"/>
+            <a:ext cx="10058400" cy="3723177"/>
           </a:xfrm>
           <a:prstGeom prst="rect">
             <a:avLst/>
@@ -5836,7 +5945,7 @@
                 <a:latin typeface="Montserrat" panose="020F0502020204030204" pitchFamily="2" charset="0"/>
                 <a:cs typeface="Arial" pitchFamily="34" charset="0"/>
               </a:rPr>
-              <a:t>When scientists need to take large amounts of data, rather than taking countless measurements that take time, resources, and money, it may be better to automate the task. Beyond that, what if a device were able to do more than simply repeat a task, what if it could make its own decisions and conduct an experiment wholly without needing constant human supervision? We can accomplish this using Gaussian processes applied to machine learning.</a:t>
+              <a:t>When scientists need to take large amounts of data, rather than taking countless measurements that take time, resources, and money, it may be better to automate the task. Beyond that, what if a device were able to do more than simply repeat a task, what if it could make its own decisions and conduct an experiment wholly without needing constant human supervision? We can accomplish this using Gaussian processes applied to machine learning. LEGOLAS is a device capable of applying these principals to </a:t>
             </a:r>
           </a:p>
         </p:txBody>
@@ -7282,7 +7391,7 @@
         </p:blipFill>
         <p:spPr bwMode="auto">
           <a:xfrm>
-            <a:off x="22352000" y="12393865"/>
+            <a:off x="22370691" y="12081704"/>
             <a:ext cx="5232400" cy="1494972"/>
           </a:xfrm>
           <a:prstGeom prst="rect">
@@ -7302,10 +7411,10 @@
       </p:pic>
       <p:pic>
         <p:nvPicPr>
-          <p:cNvPr id="39" name="Picture 38" descr="A graph of a graph showing a number of points&#10;&#10;Description automatically generated with medium confidence">
+          <p:cNvPr id="41" name="Picture 40" descr="A graph of a graph showing a number of points&#10;&#10;Description automatically generated with medium confidence">
             <a:extLst>
               <a:ext uri="{FF2B5EF4-FFF2-40B4-BE49-F238E27FC236}">
-                <a16:creationId xmlns:a16="http://schemas.microsoft.com/office/drawing/2014/main" id="{4BA57820-3C6D-75B9-3A55-B49AB4E4FF78}"/>
+                <a16:creationId xmlns:a16="http://schemas.microsoft.com/office/drawing/2014/main" id="{0E7E4210-7B5C-2938-9625-8ED252A28884}"/>
               </a:ext>
             </a:extLst>
           </p:cNvPr>
@@ -7328,8 +7437,8 @@
         </p:blipFill>
         <p:spPr>
           <a:xfrm>
-            <a:off x="27177999" y="12393866"/>
-            <a:ext cx="5232401" cy="1494972"/>
+            <a:off x="22352000" y="15367698"/>
+            <a:ext cx="5232400" cy="1494972"/>
           </a:xfrm>
           <a:prstGeom prst="rect">
             <a:avLst/>
@@ -7338,10 +7447,10 @@
       </p:pic>
       <p:pic>
         <p:nvPicPr>
-          <p:cNvPr id="41" name="Picture 40" descr="A graph of a graph showing a number of points&#10;&#10;Description automatically generated with medium confidence">
+          <p:cNvPr id="43" name="Picture 42" descr="A graph of a graph with a line&#10;&#10;Description automatically generated">
             <a:extLst>
               <a:ext uri="{FF2B5EF4-FFF2-40B4-BE49-F238E27FC236}">
-                <a16:creationId xmlns:a16="http://schemas.microsoft.com/office/drawing/2014/main" id="{0E7E4210-7B5C-2938-9625-8ED252A28884}"/>
+                <a16:creationId xmlns:a16="http://schemas.microsoft.com/office/drawing/2014/main" id="{C9ABCEC8-D2B2-A592-01A6-D9CA6777ADD1}"/>
               </a:ext>
             </a:extLst>
           </p:cNvPr>
@@ -7364,7 +7473,7 @@
         </p:blipFill>
         <p:spPr>
           <a:xfrm>
-            <a:off x="22352000" y="14381745"/>
+            <a:off x="22352000" y="17012145"/>
             <a:ext cx="5232400" cy="1494972"/>
           </a:xfrm>
           <a:prstGeom prst="rect">
@@ -7374,10 +7483,10 @@
       </p:pic>
       <p:pic>
         <p:nvPicPr>
-          <p:cNvPr id="43" name="Picture 42" descr="A graph of a graph with a line&#10;&#10;Description automatically generated">
+          <p:cNvPr id="45" name="Picture 44" descr="A graph of a graph showing a curve&#10;&#10;Description automatically generated with medium confidence">
             <a:extLst>
               <a:ext uri="{FF2B5EF4-FFF2-40B4-BE49-F238E27FC236}">
-                <a16:creationId xmlns:a16="http://schemas.microsoft.com/office/drawing/2014/main" id="{C9ABCEC8-D2B2-A592-01A6-D9CA6777ADD1}"/>
+                <a16:creationId xmlns:a16="http://schemas.microsoft.com/office/drawing/2014/main" id="{82DF24F3-1506-D78C-40EA-DAF8D3E7EB0E}"/>
               </a:ext>
             </a:extLst>
           </p:cNvPr>
@@ -7400,7 +7509,7 @@
         </p:blipFill>
         <p:spPr>
           <a:xfrm>
-            <a:off x="27178000" y="14350676"/>
+            <a:off x="22352000" y="18653734"/>
             <a:ext cx="5232400" cy="1494972"/>
           </a:xfrm>
           <a:prstGeom prst="rect">
@@ -7410,10 +7519,10 @@
       </p:pic>
       <p:pic>
         <p:nvPicPr>
-          <p:cNvPr id="45" name="Picture 44" descr="A graph of a graph showing a curve&#10;&#10;Description automatically generated with medium confidence">
+          <p:cNvPr id="47" name="Picture 46" descr="A graph of a graph showing a curve&#10;&#10;Description automatically generated with medium confidence">
             <a:extLst>
               <a:ext uri="{FF2B5EF4-FFF2-40B4-BE49-F238E27FC236}">
-                <a16:creationId xmlns:a16="http://schemas.microsoft.com/office/drawing/2014/main" id="{82DF24F3-1506-D78C-40EA-DAF8D3E7EB0E}"/>
+                <a16:creationId xmlns:a16="http://schemas.microsoft.com/office/drawing/2014/main" id="{5A440983-1A4D-EA2D-9DB4-6562CB5BC227}"/>
               </a:ext>
             </a:extLst>
           </p:cNvPr>
@@ -7436,254 +7545,8 @@
         </p:blipFill>
         <p:spPr>
           <a:xfrm>
-            <a:off x="22352000" y="16315108"/>
+            <a:off x="22352000" y="20331109"/>
             <a:ext cx="5232400" cy="1494972"/>
-          </a:xfrm>
-          <a:prstGeom prst="rect">
-            <a:avLst/>
-          </a:prstGeom>
-        </p:spPr>
-      </p:pic>
-      <p:pic>
-        <p:nvPicPr>
-          <p:cNvPr id="47" name="Picture 46" descr="A graph of a graph showing a curve&#10;&#10;Description automatically generated with medium confidence">
-            <a:extLst>
-              <a:ext uri="{FF2B5EF4-FFF2-40B4-BE49-F238E27FC236}">
-                <a16:creationId xmlns:a16="http://schemas.microsoft.com/office/drawing/2014/main" id="{5A440983-1A4D-EA2D-9DB4-6562CB5BC227}"/>
-              </a:ext>
-            </a:extLst>
-          </p:cNvPr>
-          <p:cNvPicPr>
-            <a:picLocks noChangeAspect="1"/>
-          </p:cNvPicPr>
-          <p:nvPr/>
-        </p:nvPicPr>
-        <p:blipFill>
-          <a:blip r:embed="rId9">
-            <a:extLst>
-              <a:ext uri="{28A0092B-C50C-407E-A947-70E740481C1C}">
-                <a14:useLocalDpi xmlns:a14="http://schemas.microsoft.com/office/drawing/2010/main" val="0"/>
-              </a:ext>
-            </a:extLst>
-          </a:blip>
-          <a:stretch>
-            <a:fillRect/>
-          </a:stretch>
-        </p:blipFill>
-        <p:spPr>
-          <a:xfrm>
-            <a:off x="27178000" y="16307488"/>
-            <a:ext cx="5232400" cy="1494972"/>
-          </a:xfrm>
-          <a:prstGeom prst="rect">
-            <a:avLst/>
-          </a:prstGeom>
-        </p:spPr>
-      </p:pic>
-      <p:pic>
-        <p:nvPicPr>
-          <p:cNvPr id="49" name="Picture 48" descr="A graph of a curve&#10;&#10;Description automatically generated with medium confidence">
-            <a:extLst>
-              <a:ext uri="{FF2B5EF4-FFF2-40B4-BE49-F238E27FC236}">
-                <a16:creationId xmlns:a16="http://schemas.microsoft.com/office/drawing/2014/main" id="{156F1F27-F3F8-B655-88A6-6E70AB04DB36}"/>
-              </a:ext>
-            </a:extLst>
-          </p:cNvPr>
-          <p:cNvPicPr>
-            <a:picLocks noChangeAspect="1"/>
-          </p:cNvPicPr>
-          <p:nvPr/>
-        </p:nvPicPr>
-        <p:blipFill>
-          <a:blip r:embed="rId10">
-            <a:extLst>
-              <a:ext uri="{28A0092B-C50C-407E-A947-70E740481C1C}">
-                <a14:useLocalDpi xmlns:a14="http://schemas.microsoft.com/office/drawing/2010/main" val="0"/>
-              </a:ext>
-            </a:extLst>
-          </a:blip>
-          <a:stretch>
-            <a:fillRect/>
-          </a:stretch>
-        </p:blipFill>
-        <p:spPr>
-          <a:xfrm>
-            <a:off x="22352000" y="18248471"/>
-            <a:ext cx="5232400" cy="1494972"/>
-          </a:xfrm>
-          <a:prstGeom prst="rect">
-            <a:avLst/>
-          </a:prstGeom>
-        </p:spPr>
-      </p:pic>
-      <p:pic>
-        <p:nvPicPr>
-          <p:cNvPr id="51" name="Picture 50" descr="A graph of a curve&#10;&#10;Description automatically generated with medium confidence">
-            <a:extLst>
-              <a:ext uri="{FF2B5EF4-FFF2-40B4-BE49-F238E27FC236}">
-                <a16:creationId xmlns:a16="http://schemas.microsoft.com/office/drawing/2014/main" id="{965592BE-9802-FE2C-4484-6BC7758477DA}"/>
-              </a:ext>
-            </a:extLst>
-          </p:cNvPr>
-          <p:cNvPicPr>
-            <a:picLocks noChangeAspect="1"/>
-          </p:cNvPicPr>
-          <p:nvPr/>
-        </p:nvPicPr>
-        <p:blipFill>
-          <a:blip r:embed="rId11">
-            <a:extLst>
-              <a:ext uri="{28A0092B-C50C-407E-A947-70E740481C1C}">
-                <a14:useLocalDpi xmlns:a14="http://schemas.microsoft.com/office/drawing/2010/main" val="0"/>
-              </a:ext>
-            </a:extLst>
-          </a:blip>
-          <a:stretch>
-            <a:fillRect/>
-          </a:stretch>
-        </p:blipFill>
-        <p:spPr>
-          <a:xfrm>
-            <a:off x="27177999" y="18233231"/>
-            <a:ext cx="5232400" cy="1494972"/>
-          </a:xfrm>
-          <a:prstGeom prst="rect">
-            <a:avLst/>
-          </a:prstGeom>
-        </p:spPr>
-      </p:pic>
-      <p:pic>
-        <p:nvPicPr>
-          <p:cNvPr id="53" name="Picture 52" descr="A diagram of a graph&#10;&#10;Description automatically generated">
-            <a:extLst>
-              <a:ext uri="{FF2B5EF4-FFF2-40B4-BE49-F238E27FC236}">
-                <a16:creationId xmlns:a16="http://schemas.microsoft.com/office/drawing/2014/main" id="{0208A264-1CD5-A130-C5FA-B572D742D6BD}"/>
-              </a:ext>
-            </a:extLst>
-          </p:cNvPr>
-          <p:cNvPicPr>
-            <a:picLocks noChangeAspect="1"/>
-          </p:cNvPicPr>
-          <p:nvPr/>
-        </p:nvPicPr>
-        <p:blipFill>
-          <a:blip r:embed="rId12">
-            <a:extLst>
-              <a:ext uri="{28A0092B-C50C-407E-A947-70E740481C1C}">
-                <a14:useLocalDpi xmlns:a14="http://schemas.microsoft.com/office/drawing/2010/main" val="0"/>
-              </a:ext>
-            </a:extLst>
-          </a:blip>
-          <a:stretch>
-            <a:fillRect/>
-          </a:stretch>
-        </p:blipFill>
-        <p:spPr>
-          <a:xfrm>
-            <a:off x="22352001" y="20232451"/>
-            <a:ext cx="5232400" cy="1494972"/>
-          </a:xfrm>
-          <a:prstGeom prst="rect">
-            <a:avLst/>
-          </a:prstGeom>
-        </p:spPr>
-      </p:pic>
-      <p:pic>
-        <p:nvPicPr>
-          <p:cNvPr id="55" name="Picture 54" descr="A graph of a graph showing a curve&#10;&#10;Description automatically generated with medium confidence">
-            <a:extLst>
-              <a:ext uri="{FF2B5EF4-FFF2-40B4-BE49-F238E27FC236}">
-                <a16:creationId xmlns:a16="http://schemas.microsoft.com/office/drawing/2014/main" id="{F31F2653-80AA-5DE7-26B6-29E837EA5FEA}"/>
-              </a:ext>
-            </a:extLst>
-          </p:cNvPr>
-          <p:cNvPicPr>
-            <a:picLocks noChangeAspect="1"/>
-          </p:cNvPicPr>
-          <p:nvPr/>
-        </p:nvPicPr>
-        <p:blipFill>
-          <a:blip r:embed="rId13">
-            <a:extLst>
-              <a:ext uri="{28A0092B-C50C-407E-A947-70E740481C1C}">
-                <a14:useLocalDpi xmlns:a14="http://schemas.microsoft.com/office/drawing/2010/main" val="0"/>
-              </a:ext>
-            </a:extLst>
-          </a:blip>
-          <a:stretch>
-            <a:fillRect/>
-          </a:stretch>
-        </p:blipFill>
-        <p:spPr>
-          <a:xfrm>
-            <a:off x="27176140" y="20249095"/>
-            <a:ext cx="5232400" cy="1494972"/>
-          </a:xfrm>
-          <a:prstGeom prst="rect">
-            <a:avLst/>
-          </a:prstGeom>
-        </p:spPr>
-      </p:pic>
-      <p:pic>
-        <p:nvPicPr>
-          <p:cNvPr id="57" name="Picture 56" descr="A graph of a graph showing a curve&#10;&#10;Description automatically generated with medium confidence">
-            <a:extLst>
-              <a:ext uri="{FF2B5EF4-FFF2-40B4-BE49-F238E27FC236}">
-                <a16:creationId xmlns:a16="http://schemas.microsoft.com/office/drawing/2014/main" id="{C36D7E56-4C4E-E63F-5795-9A36A7280693}"/>
-              </a:ext>
-            </a:extLst>
-          </p:cNvPr>
-          <p:cNvPicPr>
-            <a:picLocks noChangeAspect="1"/>
-          </p:cNvPicPr>
-          <p:nvPr/>
-        </p:nvPicPr>
-        <p:blipFill>
-          <a:blip r:embed="rId14">
-            <a:extLst>
-              <a:ext uri="{28A0092B-C50C-407E-A947-70E740481C1C}">
-                <a14:useLocalDpi xmlns:a14="http://schemas.microsoft.com/office/drawing/2010/main" val="0"/>
-              </a:ext>
-            </a:extLst>
-          </a:blip>
-          <a:stretch>
-            <a:fillRect/>
-          </a:stretch>
-        </p:blipFill>
-        <p:spPr>
-          <a:xfrm>
-            <a:off x="23279267" y="22248315"/>
-            <a:ext cx="8203866" cy="2343962"/>
-          </a:xfrm>
-          <a:prstGeom prst="rect">
-            <a:avLst/>
-          </a:prstGeom>
-        </p:spPr>
-      </p:pic>
-      <p:pic>
-        <p:nvPicPr>
-          <p:cNvPr id="58" name="Picture 57">
-            <a:extLst>
-              <a:ext uri="{FF2B5EF4-FFF2-40B4-BE49-F238E27FC236}">
-                <a16:creationId xmlns:a16="http://schemas.microsoft.com/office/drawing/2014/main" id="{C787E481-BCBE-7FFB-CBF4-D85CA85EAE8F}"/>
-              </a:ext>
-            </a:extLst>
-          </p:cNvPr>
-          <p:cNvPicPr>
-            <a:picLocks noChangeAspect="1"/>
-          </p:cNvPicPr>
-          <p:nvPr/>
-        </p:nvPicPr>
-        <p:blipFill>
-          <a:blip r:embed="rId15"/>
-          <a:stretch>
-            <a:fillRect/>
-          </a:stretch>
-        </p:blipFill>
-        <p:spPr>
-          <a:xfrm>
-            <a:off x="22480521" y="8170710"/>
-            <a:ext cx="1597492" cy="1187070"/>
           </a:xfrm>
           <a:prstGeom prst="rect">
             <a:avLst/>
@@ -7705,7 +7568,7 @@
           <p:nvPr/>
         </p:nvPicPr>
         <p:blipFill>
-          <a:blip r:embed="rId16" cstate="print">
+          <a:blip r:embed="rId9" cstate="print">
             <a:extLst>
               <a:ext uri="{28A0092B-C50C-407E-A947-70E740481C1C}">
                 <a14:useLocalDpi xmlns:a14="http://schemas.microsoft.com/office/drawing/2010/main" val="0"/>
@@ -7761,7 +7624,7 @@
             <p:nvPr/>
           </p:nvPicPr>
           <p:blipFill>
-            <a:blip r:embed="rId17"/>
+            <a:blip r:embed="rId10"/>
             <a:stretch>
               <a:fillRect/>
             </a:stretch>
@@ -8526,7 +8389,7 @@
           <p:nvPr/>
         </p:nvPicPr>
         <p:blipFill>
-          <a:blip r:embed="rId18"/>
+          <a:blip r:embed="rId11"/>
           <a:stretch>
             <a:fillRect/>
           </a:stretch>
@@ -8940,7 +8803,7 @@
         </p:nvGrpSpPr>
         <p:grpSpPr>
           <a:xfrm>
-            <a:off x="22352000" y="25592378"/>
+            <a:off x="22352000" y="23772736"/>
             <a:ext cx="10062904" cy="5184602"/>
             <a:chOff x="22352000" y="25592378"/>
             <a:chExt cx="10062904" cy="5184602"/>
@@ -8961,7 +8824,7 @@
             <p:nvPr/>
           </p:nvPicPr>
           <p:blipFill>
-            <a:blip r:embed="rId19">
+            <a:blip r:embed="rId12">
               <a:extLst>
                 <a:ext uri="{28A0092B-C50C-407E-A947-70E740481C1C}">
                   <a14:useLocalDpi xmlns:a14="http://schemas.microsoft.com/office/drawing/2010/main" val="0"/>
@@ -9175,7 +9038,7 @@
             <p:nvPr/>
           </p:nvPicPr>
           <p:blipFill>
-            <a:blip r:embed="rId20"/>
+            <a:blip r:embed="rId13"/>
             <a:stretch>
               <a:fillRect/>
             </a:stretch>
@@ -9211,7 +9074,7 @@
           <p:nvPr/>
         </p:nvPicPr>
         <p:blipFill>
-          <a:blip r:embed="rId21">
+          <a:blip r:embed="rId14">
             <a:extLst>
               <a:ext uri="{28A0092B-C50C-407E-A947-70E740481C1C}">
                 <a14:useLocalDpi xmlns:a14="http://schemas.microsoft.com/office/drawing/2010/main" val="0"/>
@@ -9247,7 +9110,7 @@
           <p:nvPr/>
         </p:nvPicPr>
         <p:blipFill>
-          <a:blip r:embed="rId22">
+          <a:blip r:embed="rId15">
             <a:extLst>
               <a:ext uri="{28A0092B-C50C-407E-A947-70E740481C1C}">
                 <a14:useLocalDpi xmlns:a14="http://schemas.microsoft.com/office/drawing/2010/main" val="0"/>
@@ -9294,7 +9157,7 @@
           <p:nvPr/>
         </p:nvPicPr>
         <p:blipFill>
-          <a:blip r:embed="rId23">
+          <a:blip r:embed="rId16">
             <a:extLst>
               <a:ext uri="{28A0092B-C50C-407E-A947-70E740481C1C}">
                 <a14:useLocalDpi xmlns:a14="http://schemas.microsoft.com/office/drawing/2010/main" val="0"/>
@@ -9341,7 +9204,7 @@
           <p:nvPr/>
         </p:nvPicPr>
         <p:blipFill rotWithShape="1">
-          <a:blip r:embed="rId24"/>
+          <a:blip r:embed="rId17"/>
           <a:srcRect t="42710" b="-28"/>
           <a:stretch/>
         </p:blipFill>
@@ -9363,6 +9226,449 @@
           </a:effectLst>
         </p:spPr>
       </p:pic>
+      <p:pic>
+        <p:nvPicPr>
+          <p:cNvPr id="7" name="Picture 6" descr="A graph of a graph showing a number of points&#10;&#10;Description automatically generated with medium confidence">
+            <a:extLst>
+              <a:ext uri="{FF2B5EF4-FFF2-40B4-BE49-F238E27FC236}">
+                <a16:creationId xmlns:a16="http://schemas.microsoft.com/office/drawing/2014/main" id="{5B369DB2-C7A0-341B-22F0-7FF60B2FD422}"/>
+              </a:ext>
+            </a:extLst>
+          </p:cNvPr>
+          <p:cNvPicPr>
+            <a:picLocks noChangeAspect="1"/>
+          </p:cNvPicPr>
+          <p:nvPr/>
+        </p:nvPicPr>
+        <p:blipFill>
+          <a:blip r:embed="rId18">
+            <a:extLst>
+              <a:ext uri="{28A0092B-C50C-407E-A947-70E740481C1C}">
+                <a14:useLocalDpi xmlns:a14="http://schemas.microsoft.com/office/drawing/2010/main" val="0"/>
+              </a:ext>
+            </a:extLst>
+          </a:blip>
+          <a:stretch>
+            <a:fillRect/>
+          </a:stretch>
+        </p:blipFill>
+        <p:spPr>
+          <a:xfrm>
+            <a:off x="22352000" y="13726151"/>
+            <a:ext cx="5232401" cy="1494972"/>
+          </a:xfrm>
+          <a:prstGeom prst="rect">
+            <a:avLst/>
+          </a:prstGeom>
+        </p:spPr>
+      </p:pic>
+      <p:pic>
+        <p:nvPicPr>
+          <p:cNvPr id="16" name="Picture 15" descr="A graph of a function&#10;&#10;Description automatically generated">
+            <a:extLst>
+              <a:ext uri="{FF2B5EF4-FFF2-40B4-BE49-F238E27FC236}">
+                <a16:creationId xmlns:a16="http://schemas.microsoft.com/office/drawing/2014/main" id="{108FD4C2-A28C-2D1C-6DC2-B80058831CC3}"/>
+              </a:ext>
+            </a:extLst>
+          </p:cNvPr>
+          <p:cNvPicPr>
+            <a:picLocks noChangeAspect="1"/>
+          </p:cNvPicPr>
+          <p:nvPr/>
+        </p:nvPicPr>
+        <p:blipFill>
+          <a:blip r:embed="rId19">
+            <a:extLst>
+              <a:ext uri="{28A0092B-C50C-407E-A947-70E740481C1C}">
+                <a14:useLocalDpi xmlns:a14="http://schemas.microsoft.com/office/drawing/2010/main" val="0"/>
+              </a:ext>
+            </a:extLst>
+          </a:blip>
+          <a:stretch>
+            <a:fillRect/>
+          </a:stretch>
+        </p:blipFill>
+        <p:spPr>
+          <a:xfrm>
+            <a:off x="27178000" y="12321904"/>
+            <a:ext cx="5232400" cy="1046480"/>
+          </a:xfrm>
+          <a:prstGeom prst="rect">
+            <a:avLst/>
+          </a:prstGeom>
+        </p:spPr>
+      </p:pic>
+      <p:pic>
+        <p:nvPicPr>
+          <p:cNvPr id="18" name="Picture 17" descr="A graph with a blue line&#10;&#10;Description automatically generated">
+            <a:extLst>
+              <a:ext uri="{FF2B5EF4-FFF2-40B4-BE49-F238E27FC236}">
+                <a16:creationId xmlns:a16="http://schemas.microsoft.com/office/drawing/2014/main" id="{CBA039F6-5625-6B54-DA6A-386A7C088AD8}"/>
+              </a:ext>
+            </a:extLst>
+          </p:cNvPr>
+          <p:cNvPicPr>
+            <a:picLocks noChangeAspect="1"/>
+          </p:cNvPicPr>
+          <p:nvPr/>
+        </p:nvPicPr>
+        <p:blipFill>
+          <a:blip r:embed="rId20">
+            <a:extLst>
+              <a:ext uri="{28A0092B-C50C-407E-A947-70E740481C1C}">
+                <a14:useLocalDpi xmlns:a14="http://schemas.microsoft.com/office/drawing/2010/main" val="0"/>
+              </a:ext>
+            </a:extLst>
+          </a:blip>
+          <a:stretch>
+            <a:fillRect/>
+          </a:stretch>
+        </p:blipFill>
+        <p:spPr>
+          <a:xfrm>
+            <a:off x="27178000" y="13950397"/>
+            <a:ext cx="5232401" cy="1046480"/>
+          </a:xfrm>
+          <a:prstGeom prst="rect">
+            <a:avLst/>
+          </a:prstGeom>
+        </p:spPr>
+      </p:pic>
+      <p:pic>
+        <p:nvPicPr>
+          <p:cNvPr id="23" name="Picture 22" descr="A graph of a function&#10;&#10;Description automatically generated">
+            <a:extLst>
+              <a:ext uri="{FF2B5EF4-FFF2-40B4-BE49-F238E27FC236}">
+                <a16:creationId xmlns:a16="http://schemas.microsoft.com/office/drawing/2014/main" id="{5322569F-C440-C1AD-8228-4CC7E1A06296}"/>
+              </a:ext>
+            </a:extLst>
+          </p:cNvPr>
+          <p:cNvPicPr>
+            <a:picLocks noChangeAspect="1"/>
+          </p:cNvPicPr>
+          <p:nvPr/>
+        </p:nvPicPr>
+        <p:blipFill>
+          <a:blip r:embed="rId21">
+            <a:extLst>
+              <a:ext uri="{28A0092B-C50C-407E-A947-70E740481C1C}">
+                <a14:useLocalDpi xmlns:a14="http://schemas.microsoft.com/office/drawing/2010/main" val="0"/>
+              </a:ext>
+            </a:extLst>
+          </a:blip>
+          <a:stretch>
+            <a:fillRect/>
+          </a:stretch>
+        </p:blipFill>
+        <p:spPr>
+          <a:xfrm>
+            <a:off x="27177998" y="15593393"/>
+            <a:ext cx="5232402" cy="1046481"/>
+          </a:xfrm>
+          <a:prstGeom prst="rect">
+            <a:avLst/>
+          </a:prstGeom>
+        </p:spPr>
+      </p:pic>
+      <p:pic>
+        <p:nvPicPr>
+          <p:cNvPr id="34" name="Picture 33" descr="A graph of a function&#10;&#10;Description automatically generated">
+            <a:extLst>
+              <a:ext uri="{FF2B5EF4-FFF2-40B4-BE49-F238E27FC236}">
+                <a16:creationId xmlns:a16="http://schemas.microsoft.com/office/drawing/2014/main" id="{E3B05F19-5B68-3978-C72D-345CA105818D}"/>
+              </a:ext>
+            </a:extLst>
+          </p:cNvPr>
+          <p:cNvPicPr>
+            <a:picLocks noChangeAspect="1"/>
+          </p:cNvPicPr>
+          <p:nvPr/>
+        </p:nvPicPr>
+        <p:blipFill>
+          <a:blip r:embed="rId22">
+            <a:extLst>
+              <a:ext uri="{28A0092B-C50C-407E-A947-70E740481C1C}">
+                <a14:useLocalDpi xmlns:a14="http://schemas.microsoft.com/office/drawing/2010/main" val="0"/>
+              </a:ext>
+            </a:extLst>
+          </a:blip>
+          <a:stretch>
+            <a:fillRect/>
+          </a:stretch>
+        </p:blipFill>
+        <p:spPr>
+          <a:xfrm>
+            <a:off x="27177055" y="17234940"/>
+            <a:ext cx="5232402" cy="1046481"/>
+          </a:xfrm>
+          <a:prstGeom prst="rect">
+            <a:avLst/>
+          </a:prstGeom>
+        </p:spPr>
+      </p:pic>
+      <p:pic>
+        <p:nvPicPr>
+          <p:cNvPr id="36" name="Picture 35" descr="A graph of a function&#10;&#10;Description automatically generated">
+            <a:extLst>
+              <a:ext uri="{FF2B5EF4-FFF2-40B4-BE49-F238E27FC236}">
+                <a16:creationId xmlns:a16="http://schemas.microsoft.com/office/drawing/2014/main" id="{122DF5E3-5170-0D11-5BBE-CCB635788EDD}"/>
+              </a:ext>
+            </a:extLst>
+          </p:cNvPr>
+          <p:cNvPicPr>
+            <a:picLocks noChangeAspect="1"/>
+          </p:cNvPicPr>
+          <p:nvPr/>
+        </p:nvPicPr>
+        <p:blipFill>
+          <a:blip r:embed="rId23">
+            <a:extLst>
+              <a:ext uri="{28A0092B-C50C-407E-A947-70E740481C1C}">
+                <a14:useLocalDpi xmlns:a14="http://schemas.microsoft.com/office/drawing/2010/main" val="0"/>
+              </a:ext>
+            </a:extLst>
+          </a:blip>
+          <a:stretch>
+            <a:fillRect/>
+          </a:stretch>
+        </p:blipFill>
+        <p:spPr>
+          <a:xfrm>
+            <a:off x="27177053" y="18876487"/>
+            <a:ext cx="5232404" cy="1046481"/>
+          </a:xfrm>
+          <a:prstGeom prst="rect">
+            <a:avLst/>
+          </a:prstGeom>
+        </p:spPr>
+      </p:pic>
+      <p:pic>
+        <p:nvPicPr>
+          <p:cNvPr id="40" name="Picture 39" descr="A graph of a graph&#10;&#10;Description automatically generated">
+            <a:extLst>
+              <a:ext uri="{FF2B5EF4-FFF2-40B4-BE49-F238E27FC236}">
+                <a16:creationId xmlns:a16="http://schemas.microsoft.com/office/drawing/2014/main" id="{3A37DEA4-83D8-A43F-8DA0-1D076C46B532}"/>
+              </a:ext>
+            </a:extLst>
+          </p:cNvPr>
+          <p:cNvPicPr>
+            <a:picLocks noChangeAspect="1"/>
+          </p:cNvPicPr>
+          <p:nvPr/>
+        </p:nvPicPr>
+        <p:blipFill>
+          <a:blip r:embed="rId24">
+            <a:extLst>
+              <a:ext uri="{28A0092B-C50C-407E-A947-70E740481C1C}">
+                <a14:useLocalDpi xmlns:a14="http://schemas.microsoft.com/office/drawing/2010/main" val="0"/>
+              </a:ext>
+            </a:extLst>
+          </a:blip>
+          <a:stretch>
+            <a:fillRect/>
+          </a:stretch>
+        </p:blipFill>
+        <p:spPr>
+          <a:xfrm>
+            <a:off x="27177053" y="20555354"/>
+            <a:ext cx="5232404" cy="1046481"/>
+          </a:xfrm>
+          <a:prstGeom prst="rect">
+            <a:avLst/>
+          </a:prstGeom>
+        </p:spPr>
+      </p:pic>
+      <p:sp>
+        <p:nvSpPr>
+          <p:cNvPr id="42" name="TextBox 19">
+            <a:extLst>
+              <a:ext uri="{FF2B5EF4-FFF2-40B4-BE49-F238E27FC236}">
+                <a16:creationId xmlns:a16="http://schemas.microsoft.com/office/drawing/2014/main" id="{D0A73AA8-B249-1320-7EB0-E0B9DB9720B2}"/>
+              </a:ext>
+            </a:extLst>
+          </p:cNvPr>
+          <p:cNvSpPr txBox="1">
+            <a:spLocks noChangeArrowheads="1"/>
+          </p:cNvSpPr>
+          <p:nvPr/>
+        </p:nvSpPr>
+        <p:spPr bwMode="auto">
+          <a:xfrm>
+            <a:off x="33147000" y="18135547"/>
+            <a:ext cx="10058400" cy="3723177"/>
+          </a:xfrm>
+          <a:prstGeom prst="rect">
+            <a:avLst/>
+          </a:prstGeom>
+          <a:noFill/>
+          <a:ln>
+            <a:noFill/>
+          </a:ln>
+          <a:extLst>
+            <a:ext uri="{909E8E84-426E-40DD-AFC4-6F175D3DCCD1}">
+              <a14:hiddenFill xmlns:a14="http://schemas.microsoft.com/office/drawing/2010/main">
+                <a:solidFill>
+                  <a:srgbClr val="FFFFFF"/>
+                </a:solidFill>
+              </a14:hiddenFill>
+            </a:ext>
+            <a:ext uri="{91240B29-F687-4F45-9708-019B960494DF}">
+              <a14:hiddenLine xmlns:a14="http://schemas.microsoft.com/office/drawing/2010/main" w="9525">
+                <a:solidFill>
+                  <a:srgbClr val="000000"/>
+                </a:solidFill>
+                <a:miter lim="800000"/>
+                <a:headEnd/>
+                <a:tailEnd/>
+              </a14:hiddenLine>
+            </a:ext>
+          </a:extLst>
+        </p:spPr>
+        <p:txBody>
+          <a:bodyPr wrap="square" lIns="91418" tIns="45709" rIns="91418" bIns="45709">
+            <a:spAutoFit/>
+          </a:bodyPr>
+          <a:lstStyle>
+            <a:defPPr>
+              <a:defRPr lang="en-US"/>
+            </a:defPPr>
+            <a:lvl1pPr algn="l" rtl="0" fontAlgn="base">
+              <a:spcBef>
+                <a:spcPct val="0"/>
+              </a:spcBef>
+              <a:spcAft>
+                <a:spcPct val="0"/>
+              </a:spcAft>
+              <a:defRPr sz="3000" kern="1200">
+                <a:solidFill>
+                  <a:schemeClr val="tx1"/>
+                </a:solidFill>
+                <a:latin typeface="Arial"/>
+                <a:ea typeface="+mn-ea"/>
+                <a:cs typeface="+mn-cs"/>
+              </a:defRPr>
+            </a:lvl1pPr>
+            <a:lvl2pPr marL="457200" algn="l" rtl="0" fontAlgn="base">
+              <a:spcBef>
+                <a:spcPct val="0"/>
+              </a:spcBef>
+              <a:spcAft>
+                <a:spcPct val="0"/>
+              </a:spcAft>
+              <a:defRPr sz="3000" kern="1200">
+                <a:solidFill>
+                  <a:schemeClr val="tx1"/>
+                </a:solidFill>
+                <a:latin typeface="Arial"/>
+                <a:ea typeface="+mn-ea"/>
+                <a:cs typeface="+mn-cs"/>
+              </a:defRPr>
+            </a:lvl2pPr>
+            <a:lvl3pPr marL="914400" algn="l" rtl="0" fontAlgn="base">
+              <a:spcBef>
+                <a:spcPct val="0"/>
+              </a:spcBef>
+              <a:spcAft>
+                <a:spcPct val="0"/>
+              </a:spcAft>
+              <a:defRPr sz="3000" kern="1200">
+                <a:solidFill>
+                  <a:schemeClr val="tx1"/>
+                </a:solidFill>
+                <a:latin typeface="Arial"/>
+                <a:ea typeface="+mn-ea"/>
+                <a:cs typeface="+mn-cs"/>
+              </a:defRPr>
+            </a:lvl3pPr>
+            <a:lvl4pPr marL="1371600" algn="l" rtl="0" fontAlgn="base">
+              <a:spcBef>
+                <a:spcPct val="0"/>
+              </a:spcBef>
+              <a:spcAft>
+                <a:spcPct val="0"/>
+              </a:spcAft>
+              <a:defRPr sz="3000" kern="1200">
+                <a:solidFill>
+                  <a:schemeClr val="tx1"/>
+                </a:solidFill>
+                <a:latin typeface="Arial"/>
+                <a:ea typeface="+mn-ea"/>
+                <a:cs typeface="+mn-cs"/>
+              </a:defRPr>
+            </a:lvl4pPr>
+            <a:lvl5pPr marL="1828800" algn="l" rtl="0" fontAlgn="base">
+              <a:spcBef>
+                <a:spcPct val="0"/>
+              </a:spcBef>
+              <a:spcAft>
+                <a:spcPct val="0"/>
+              </a:spcAft>
+              <a:defRPr sz="3000" kern="1200">
+                <a:solidFill>
+                  <a:schemeClr val="tx1"/>
+                </a:solidFill>
+                <a:latin typeface="Arial"/>
+                <a:ea typeface="+mn-ea"/>
+                <a:cs typeface="+mn-cs"/>
+              </a:defRPr>
+            </a:lvl5pPr>
+            <a:lvl6pPr marL="2286000" algn="l" defTabSz="914400" rtl="0" eaLnBrk="1" latinLnBrk="0" hangingPunct="1">
+              <a:defRPr sz="3000" kern="1200">
+                <a:solidFill>
+                  <a:schemeClr val="tx1"/>
+                </a:solidFill>
+                <a:latin typeface="Arial"/>
+                <a:ea typeface="+mn-ea"/>
+                <a:cs typeface="+mn-cs"/>
+              </a:defRPr>
+            </a:lvl6pPr>
+            <a:lvl7pPr marL="2743200" algn="l" defTabSz="914400" rtl="0" eaLnBrk="1" latinLnBrk="0" hangingPunct="1">
+              <a:defRPr sz="3000" kern="1200">
+                <a:solidFill>
+                  <a:schemeClr val="tx1"/>
+                </a:solidFill>
+                <a:latin typeface="Arial"/>
+                <a:ea typeface="+mn-ea"/>
+                <a:cs typeface="+mn-cs"/>
+              </a:defRPr>
+            </a:lvl7pPr>
+            <a:lvl8pPr marL="3200400" algn="l" defTabSz="914400" rtl="0" eaLnBrk="1" latinLnBrk="0" hangingPunct="1">
+              <a:defRPr sz="3000" kern="1200">
+                <a:solidFill>
+                  <a:schemeClr val="tx1"/>
+                </a:solidFill>
+                <a:latin typeface="Arial"/>
+                <a:ea typeface="+mn-ea"/>
+                <a:cs typeface="+mn-cs"/>
+              </a:defRPr>
+            </a:lvl8pPr>
+            <a:lvl9pPr marL="3657600" algn="l" defTabSz="914400" rtl="0" eaLnBrk="1" latinLnBrk="0" hangingPunct="1">
+              <a:defRPr sz="3000" kern="1200">
+                <a:solidFill>
+                  <a:schemeClr val="tx1"/>
+                </a:solidFill>
+                <a:latin typeface="Arial"/>
+                <a:ea typeface="+mn-ea"/>
+                <a:cs typeface="+mn-cs"/>
+              </a:defRPr>
+            </a:lvl9pPr>
+          </a:lstStyle>
+          <a:p>
+            <a:pPr algn="just">
+              <a:lnSpc>
+                <a:spcPct val="110000"/>
+              </a:lnSpc>
+            </a:pPr>
+            <a:r>
+              <a:rPr lang="en-US" sz="2400" dirty="0">
+                <a:latin typeface="Montserrat" panose="020F0502020204030204" pitchFamily="2" charset="0"/>
+                <a:cs typeface="Arial" pitchFamily="34" charset="0"/>
+              </a:rPr>
+              <a:t>This experiment may be more akin to a proof of concept, however this principal is extremely valuable and can be applied to countless other disciplines. Being able to gain predictive power over any related variables’ inputs and outputs with minimal physical tests reduces costs when conducting research, in both resources and time. A device being able to apply these concepts on its own with minimal human interference frees researchers from tasks that take a lot of time and may be difficult for a human to do or calculate. </a:t>
+            </a:r>
+          </a:p>
+        </p:txBody>
+      </p:sp>
     </p:spTree>
   </p:cSld>
   <p:clrMapOvr>
@@ -10249,23 +10555,6 @@
 </file>
 
 <file path=customXml/item1.xml><?xml version="1.0" encoding="utf-8"?>
-<p:properties xmlns:p="http://schemas.microsoft.com/office/2006/metadata/properties" xmlns:xsi="http://www.w3.org/2001/XMLSchema-instance" xmlns:pc="http://schemas.microsoft.com/office/infopath/2007/PartnerControls">
-  <documentManagement>
-    <_activity xmlns="0ec21670-e184-4851-b236-8d05d50b5085" xsi:nil="true"/>
-  </documentManagement>
-</p:properties>
-</file>
-
-<file path=customXml/item2.xml><?xml version="1.0" encoding="utf-8"?>
-<?mso-contentType ?>
-<FormTemplates xmlns="http://schemas.microsoft.com/sharepoint/v3/contenttype/forms">
-  <Display>DocumentLibraryForm</Display>
-  <Edit>DocumentLibraryForm</Edit>
-  <New>DocumentLibraryForm</New>
-</FormTemplates>
-</file>
-
-<file path=customXml/item3.xml><?xml version="1.0" encoding="utf-8"?>
 <ct:contentTypeSchema xmlns:ct="http://schemas.microsoft.com/office/2006/metadata/contentType" xmlns:ma="http://schemas.microsoft.com/office/2006/metadata/properties/metaAttributes" ct:_="" ma:_="" ma:contentTypeName="Document" ma:contentTypeID="0x0101003DCFD9B3BD4D6A4683E81FB4044B6873" ma:contentTypeVersion="8" ma:contentTypeDescription="Create a new document." ma:contentTypeScope="" ma:versionID="966be01fed05bb791cbb0bc412ba3278">
   <xsd:schema xmlns:xsd="http://www.w3.org/2001/XMLSchema" xmlns:xs="http://www.w3.org/2001/XMLSchema" xmlns:p="http://schemas.microsoft.com/office/2006/metadata/properties" xmlns:ns3="0ec21670-e184-4851-b236-8d05d50b5085" xmlns:ns4="06e83204-0f96-44d6-87a2-fac04d576e6a" targetNamespace="http://schemas.microsoft.com/office/2006/metadata/properties" ma:root="true" ma:fieldsID="81a4dda7b42f590c3bf2a5ce6570248e" ns3:_="" ns4:_="">
     <xsd:import namespace="0ec21670-e184-4851-b236-8d05d50b5085"/>
@@ -10454,32 +10743,24 @@
 </ct:contentTypeSchema>
 </file>
 
-<file path=customXml/itemProps1.xml><?xml version="1.0" encoding="utf-8"?>
-<ds:datastoreItem xmlns:ds="http://schemas.openxmlformats.org/officeDocument/2006/customXml" ds:itemID="{BBFC921D-21DB-496A-B4E1-28510EFCAEFF}">
-  <ds:schemaRefs>
-    <ds:schemaRef ds:uri="http://purl.org/dc/dcmitype/"/>
-    <ds:schemaRef ds:uri="http://schemas.microsoft.com/office/2006/documentManagement/types"/>
-    <ds:schemaRef ds:uri="http://purl.org/dc/elements/1.1/"/>
-    <ds:schemaRef ds:uri="http://schemas.microsoft.com/office/infopath/2007/PartnerControls"/>
-    <ds:schemaRef ds:uri="http://schemas.openxmlformats.org/package/2006/metadata/core-properties"/>
-    <ds:schemaRef ds:uri="http://schemas.microsoft.com/office/2006/metadata/properties"/>
-    <ds:schemaRef ds:uri="http://purl.org/dc/terms/"/>
-    <ds:schemaRef ds:uri="06e83204-0f96-44d6-87a2-fac04d576e6a"/>
-    <ds:schemaRef ds:uri="0ec21670-e184-4851-b236-8d05d50b5085"/>
-    <ds:schemaRef ds:uri="http://www.w3.org/XML/1998/namespace"/>
-  </ds:schemaRefs>
-</ds:datastoreItem>
+<file path=customXml/item2.xml><?xml version="1.0" encoding="utf-8"?>
+<?mso-contentType ?>
+<FormTemplates xmlns="http://schemas.microsoft.com/sharepoint/v3/contenttype/forms">
+  <Display>DocumentLibraryForm</Display>
+  <Edit>DocumentLibraryForm</Edit>
+  <New>DocumentLibraryForm</New>
+</FormTemplates>
 </file>
 
-<file path=customXml/itemProps2.xml><?xml version="1.0" encoding="utf-8"?>
-<ds:datastoreItem xmlns:ds="http://schemas.openxmlformats.org/officeDocument/2006/customXml" ds:itemID="{72A85D16-D06E-4421-8037-2194BECEF23B}">
-  <ds:schemaRefs>
-    <ds:schemaRef ds:uri="http://schemas.microsoft.com/sharepoint/v3/contenttype/forms"/>
-  </ds:schemaRefs>
-</ds:datastoreItem>
+<file path=customXml/item3.xml><?xml version="1.0" encoding="utf-8"?>
+<p:properties xmlns:p="http://schemas.microsoft.com/office/2006/metadata/properties" xmlns:xsi="http://www.w3.org/2001/XMLSchema-instance" xmlns:pc="http://schemas.microsoft.com/office/infopath/2007/PartnerControls">
+  <documentManagement>
+    <_activity xmlns="0ec21670-e184-4851-b236-8d05d50b5085" xsi:nil="true"/>
+  </documentManagement>
+</p:properties>
 </file>
 
-<file path=customXml/itemProps3.xml><?xml version="1.0" encoding="utf-8"?>
+<file path=customXml/itemProps1.xml><?xml version="1.0" encoding="utf-8"?>
 <ds:datastoreItem xmlns:ds="http://schemas.openxmlformats.org/officeDocument/2006/customXml" ds:itemID="{B2E028E3-F937-40FE-97E2-704567D23950}">
   <ds:schemaRefs>
     <ds:schemaRef ds:uri="http://schemas.microsoft.com/office/2006/metadata/contentType"/>
@@ -10496,4 +10777,29 @@
     <ds:schemaRef ds:uri="http://schemas.microsoft.com/internal/obd"/>
   </ds:schemaRefs>
 </ds:datastoreItem>
+</file>
+
+<file path=customXml/itemProps2.xml><?xml version="1.0" encoding="utf-8"?>
+<ds:datastoreItem xmlns:ds="http://schemas.openxmlformats.org/officeDocument/2006/customXml" ds:itemID="{72A85D16-D06E-4421-8037-2194BECEF23B}">
+  <ds:schemaRefs>
+    <ds:schemaRef ds:uri="http://schemas.microsoft.com/sharepoint/v3/contenttype/forms"/>
+  </ds:schemaRefs>
+</ds:datastoreItem>
+</file>
+
+<file path=customXml/itemProps3.xml><?xml version="1.0" encoding="utf-8"?>
+<ds:datastoreItem xmlns:ds="http://schemas.openxmlformats.org/officeDocument/2006/customXml" ds:itemID="{BBFC921D-21DB-496A-B4E1-28510EFCAEFF}">
+  <ds:schemaRefs>
+    <ds:schemaRef ds:uri="http://purl.org/dc/dcmitype/"/>
+    <ds:schemaRef ds:uri="http://schemas.microsoft.com/office/2006/documentManagement/types"/>
+    <ds:schemaRef ds:uri="http://purl.org/dc/elements/1.1/"/>
+    <ds:schemaRef ds:uri="http://schemas.microsoft.com/office/infopath/2007/PartnerControls"/>
+    <ds:schemaRef ds:uri="http://schemas.openxmlformats.org/package/2006/metadata/core-properties"/>
+    <ds:schemaRef ds:uri="http://schemas.microsoft.com/office/2006/metadata/properties"/>
+    <ds:schemaRef ds:uri="http://purl.org/dc/terms/"/>
+    <ds:schemaRef ds:uri="06e83204-0f96-44d6-87a2-fac04d576e6a"/>
+    <ds:schemaRef ds:uri="0ec21670-e184-4851-b236-8d05d50b5085"/>
+    <ds:schemaRef ds:uri="http://www.w3.org/XML/1998/namespace"/>
+  </ds:schemaRefs>
+</ds:datastoreItem>
 </file>